--- a/Transaction Data Insights.pptx
+++ b/Transaction Data Insights.pptx
@@ -327,7 +327,7 @@
           <a:p>
             <a:fld id="{78FE6C61-14D5-4D59-AD84-BC6257BEA188}" type="datetimeFigureOut">
               <a:rPr lang="en-AU" smtClean="0"/>
-              <a:t>5/12/2022</a:t>
+              <a:t>14/12/2022</a:t>
             </a:fld>
             <a:endParaRPr lang="en-AU"/>
           </a:p>
@@ -602,7 +602,7 @@
           <a:p>
             <a:fld id="{78FE6C61-14D5-4D59-AD84-BC6257BEA188}" type="datetimeFigureOut">
               <a:rPr lang="en-AU" smtClean="0"/>
-              <a:t>5/12/2022</a:t>
+              <a:t>14/12/2022</a:t>
             </a:fld>
             <a:endParaRPr lang="en-AU"/>
           </a:p>
@@ -796,7 +796,7 @@
           <a:p>
             <a:fld id="{78FE6C61-14D5-4D59-AD84-BC6257BEA188}" type="datetimeFigureOut">
               <a:rPr lang="en-AU" smtClean="0"/>
-              <a:t>5/12/2022</a:t>
+              <a:t>14/12/2022</a:t>
             </a:fld>
             <a:endParaRPr lang="en-AU"/>
           </a:p>
@@ -1067,7 +1067,7 @@
           <a:p>
             <a:fld id="{78FE6C61-14D5-4D59-AD84-BC6257BEA188}" type="datetimeFigureOut">
               <a:rPr lang="en-AU" smtClean="0"/>
-              <a:t>5/12/2022</a:t>
+              <a:t>14/12/2022</a:t>
             </a:fld>
             <a:endParaRPr lang="en-AU"/>
           </a:p>
@@ -1394,7 +1394,7 @@
           <a:p>
             <a:fld id="{78FE6C61-14D5-4D59-AD84-BC6257BEA188}" type="datetimeFigureOut">
               <a:rPr lang="en-AU" smtClean="0"/>
-              <a:t>5/12/2022</a:t>
+              <a:t>14/12/2022</a:t>
             </a:fld>
             <a:endParaRPr lang="en-AU"/>
           </a:p>
@@ -2013,7 +2013,7 @@
           <a:p>
             <a:fld id="{78FE6C61-14D5-4D59-AD84-BC6257BEA188}" type="datetimeFigureOut">
               <a:rPr lang="en-AU" smtClean="0"/>
-              <a:t>5/12/2022</a:t>
+              <a:t>14/12/2022</a:t>
             </a:fld>
             <a:endParaRPr lang="en-AU"/>
           </a:p>
@@ -2860,7 +2860,7 @@
           <a:p>
             <a:fld id="{78FE6C61-14D5-4D59-AD84-BC6257BEA188}" type="datetimeFigureOut">
               <a:rPr lang="en-AU" smtClean="0"/>
-              <a:t>5/12/2022</a:t>
+              <a:t>14/12/2022</a:t>
             </a:fld>
             <a:endParaRPr lang="en-AU"/>
           </a:p>
@@ -3030,7 +3030,7 @@
           <a:p>
             <a:fld id="{78FE6C61-14D5-4D59-AD84-BC6257BEA188}" type="datetimeFigureOut">
               <a:rPr lang="en-AU" smtClean="0"/>
-              <a:t>5/12/2022</a:t>
+              <a:t>14/12/2022</a:t>
             </a:fld>
             <a:endParaRPr lang="en-AU"/>
           </a:p>
@@ -3210,7 +3210,7 @@
           <a:p>
             <a:fld id="{78FE6C61-14D5-4D59-AD84-BC6257BEA188}" type="datetimeFigureOut">
               <a:rPr lang="en-AU" smtClean="0"/>
-              <a:t>5/12/2022</a:t>
+              <a:t>14/12/2022</a:t>
             </a:fld>
             <a:endParaRPr lang="en-AU"/>
           </a:p>
@@ -3380,7 +3380,7 @@
           <a:p>
             <a:fld id="{78FE6C61-14D5-4D59-AD84-BC6257BEA188}" type="datetimeFigureOut">
               <a:rPr lang="en-AU" smtClean="0"/>
-              <a:t>5/12/2022</a:t>
+              <a:t>14/12/2022</a:t>
             </a:fld>
             <a:endParaRPr lang="en-AU"/>
           </a:p>
@@ -3627,7 +3627,7 @@
           <a:p>
             <a:fld id="{78FE6C61-14D5-4D59-AD84-BC6257BEA188}" type="datetimeFigureOut">
               <a:rPr lang="en-AU" smtClean="0"/>
-              <a:t>5/12/2022</a:t>
+              <a:t>14/12/2022</a:t>
             </a:fld>
             <a:endParaRPr lang="en-AU"/>
           </a:p>
@@ -3919,7 +3919,7 @@
           <a:p>
             <a:fld id="{78FE6C61-14D5-4D59-AD84-BC6257BEA188}" type="datetimeFigureOut">
               <a:rPr lang="en-AU" smtClean="0"/>
-              <a:t>5/12/2022</a:t>
+              <a:t>14/12/2022</a:t>
             </a:fld>
             <a:endParaRPr lang="en-AU"/>
           </a:p>
@@ -4363,7 +4363,7 @@
           <a:p>
             <a:fld id="{78FE6C61-14D5-4D59-AD84-BC6257BEA188}" type="datetimeFigureOut">
               <a:rPr lang="en-AU" smtClean="0"/>
-              <a:t>5/12/2022</a:t>
+              <a:t>14/12/2022</a:t>
             </a:fld>
             <a:endParaRPr lang="en-AU"/>
           </a:p>
@@ -4481,7 +4481,7 @@
           <a:p>
             <a:fld id="{78FE6C61-14D5-4D59-AD84-BC6257BEA188}" type="datetimeFigureOut">
               <a:rPr lang="en-AU" smtClean="0"/>
-              <a:t>5/12/2022</a:t>
+              <a:t>14/12/2022</a:t>
             </a:fld>
             <a:endParaRPr lang="en-AU"/>
           </a:p>
@@ -4576,7 +4576,7 @@
           <a:p>
             <a:fld id="{78FE6C61-14D5-4D59-AD84-BC6257BEA188}" type="datetimeFigureOut">
               <a:rPr lang="en-AU" smtClean="0"/>
-              <a:t>5/12/2022</a:t>
+              <a:t>14/12/2022</a:t>
             </a:fld>
             <a:endParaRPr lang="en-AU"/>
           </a:p>
@@ -4855,7 +4855,7 @@
           <a:p>
             <a:fld id="{78FE6C61-14D5-4D59-AD84-BC6257BEA188}" type="datetimeFigureOut">
               <a:rPr lang="en-AU" smtClean="0"/>
-              <a:t>5/12/2022</a:t>
+              <a:t>14/12/2022</a:t>
             </a:fld>
             <a:endParaRPr lang="en-AU"/>
           </a:p>
@@ -5130,7 +5130,7 @@
           <a:p>
             <a:fld id="{78FE6C61-14D5-4D59-AD84-BC6257BEA188}" type="datetimeFigureOut">
               <a:rPr lang="en-AU" smtClean="0"/>
-              <a:t>5/12/2022</a:t>
+              <a:t>14/12/2022</a:t>
             </a:fld>
             <a:endParaRPr lang="en-AU"/>
           </a:p>
@@ -5553,7 +5553,7 @@
           <a:p>
             <a:fld id="{78FE6C61-14D5-4D59-AD84-BC6257BEA188}" type="datetimeFigureOut">
               <a:rPr lang="en-AU" smtClean="0"/>
-              <a:t>5/12/2022</a:t>
+              <a:t>14/12/2022</a:t>
             </a:fld>
             <a:endParaRPr lang="en-AU"/>
           </a:p>
@@ -8659,7 +8659,7 @@
                   <a:srgbClr val="FFFFFF"/>
                 </a:solidFill>
               </a:rPr>
-              <a:t>Order –&gt;  </a:t>
+              <a:t>Order –&gt;    </a:t>
             </a:r>
             <a:r>
               <a:rPr lang="en-US" sz="2900" dirty="0" err="1">
@@ -8675,7 +8675,7 @@
                   <a:srgbClr val="FFFFFF"/>
                 </a:solidFill>
               </a:rPr>
-              <a:t>   OR   </a:t>
+              <a:t>  OR  </a:t>
             </a:r>
             <a:r>
               <a:rPr lang="en-US" sz="2900" dirty="0" err="1">
@@ -8718,8 +8718,8 @@
         </p:nvSpPr>
         <p:spPr>
           <a:xfrm>
-            <a:off x="1221905" y="3429001"/>
-            <a:ext cx="9748190" cy="2895594"/>
+            <a:off x="1221904" y="3429001"/>
+            <a:ext cx="10415913" cy="2895594"/>
           </a:xfrm>
         </p:spPr>
         <p:txBody>
@@ -8736,7 +8736,7 @@
           <a:p>
             <a:r>
               <a:rPr lang="en-AU" sz="2400" dirty="0"/>
-              <a:t>one is a Customer Level - where a customer revisits the store , </a:t>
+              <a:t>one is a Customer Level - where a customer revisits the business, </a:t>
             </a:r>
           </a:p>
           <a:p>
@@ -12960,6 +12960,12 @@
                 <a:latin typeface="Abadi" panose="020B0604020104020204" pitchFamily="34" charset="0"/>
               </a:rPr>
               <a:t>MarkDowns</a:t>
+            </a:r>
+            <a:r>
+              <a:rPr lang="en-US" sz="1600" dirty="0">
+                <a:latin typeface="Abadi" panose="020B0604020104020204" pitchFamily="34" charset="0"/>
+              </a:rPr>
+              <a:t> , Clearances</a:t>
             </a:r>
             <a:br>
               <a:rPr lang="en-US" sz="1600" dirty="0">
@@ -16712,7 +16718,7 @@
         <p:spPr>
           <a:xfrm>
             <a:off x="5204109" y="1230284"/>
-            <a:ext cx="5919503" cy="5469774"/>
+            <a:ext cx="6525149" cy="5469774"/>
           </a:xfrm>
         </p:spPr>
         <p:txBody>
@@ -16727,7 +16733,7 @@
               </a:lnSpc>
             </a:pPr>
             <a:r>
-              <a:rPr lang="en-US" sz="1400" dirty="0"/>
+              <a:rPr lang="en-US" sz="1600" dirty="0"/>
               <a:t>Exploratory Data Analyses :</a:t>
             </a:r>
           </a:p>
@@ -16738,7 +16744,7 @@
               </a:lnSpc>
             </a:pPr>
             <a:r>
-              <a:rPr lang="en-AU" sz="1400" dirty="0"/>
+              <a:rPr lang="en-AU" sz="1600" dirty="0"/>
               <a:t>Understanding the Key Dimensions</a:t>
             </a:r>
           </a:p>
@@ -16749,7 +16755,7 @@
               </a:lnSpc>
             </a:pPr>
             <a:r>
-              <a:rPr lang="en-AU" sz="1400" dirty="0"/>
+              <a:rPr lang="en-AU" sz="1600" dirty="0"/>
               <a:t>Transaction History Deep Dive</a:t>
             </a:r>
           </a:p>
@@ -16760,7 +16766,7 @@
               </a:lnSpc>
             </a:pPr>
             <a:r>
-              <a:rPr lang="en-AU" sz="1400" dirty="0"/>
+              <a:rPr lang="en-AU" sz="1600" dirty="0"/>
               <a:t>Customer behaviour Dimension</a:t>
             </a:r>
           </a:p>
@@ -16771,7 +16777,7 @@
               </a:lnSpc>
             </a:pPr>
             <a:r>
-              <a:rPr lang="en-AU" sz="1400" dirty="0"/>
+              <a:rPr lang="en-AU" dirty="0"/>
               <a:t>Customer Reorder / Return / Loyalty</a:t>
             </a:r>
           </a:p>
@@ -16782,7 +16788,7 @@
               </a:lnSpc>
             </a:pPr>
             <a:r>
-              <a:rPr lang="en-AU" sz="1400" dirty="0"/>
+              <a:rPr lang="en-AU" sz="1600" dirty="0"/>
               <a:t>Geographical Dimension</a:t>
             </a:r>
           </a:p>
@@ -16793,7 +16799,7 @@
               </a:lnSpc>
             </a:pPr>
             <a:r>
-              <a:rPr lang="en-AU" sz="1400" dirty="0"/>
+              <a:rPr lang="en-AU" sz="1600" dirty="0"/>
               <a:t>Temporal Dimension</a:t>
             </a:r>
           </a:p>
@@ -16804,7 +16810,7 @@
               </a:lnSpc>
             </a:pPr>
             <a:r>
-              <a:rPr lang="en-AU" sz="1400" dirty="0"/>
+              <a:rPr lang="en-AU" sz="1600" dirty="0"/>
               <a:t>Product Dimension Deep Dive </a:t>
             </a:r>
           </a:p>
@@ -16815,7 +16821,7 @@
               </a:lnSpc>
             </a:pPr>
             <a:r>
-              <a:rPr lang="en-AU" sz="1400" dirty="0"/>
+              <a:rPr lang="en-AU" dirty="0"/>
               <a:t>Price</a:t>
             </a:r>
           </a:p>
@@ -16826,7 +16832,7 @@
               </a:lnSpc>
             </a:pPr>
             <a:r>
-              <a:rPr lang="en-AU" sz="1400" dirty="0"/>
+              <a:rPr lang="en-AU" dirty="0"/>
               <a:t>Revenue</a:t>
             </a:r>
           </a:p>
@@ -16837,18 +16843,7 @@
               </a:lnSpc>
             </a:pPr>
             <a:r>
-              <a:rPr lang="en-AU" sz="1400" dirty="0"/>
-              <a:t>Summary of Insights and Recommendations</a:t>
-            </a:r>
-          </a:p>
-          <a:p>
-            <a:pPr>
-              <a:lnSpc>
-                <a:spcPct val="90000"/>
-              </a:lnSpc>
-            </a:pPr>
-            <a:r>
-              <a:rPr lang="en-AU" sz="1400" dirty="0"/>
+              <a:rPr lang="en-AU" sz="1600" dirty="0"/>
               <a:t>Appendix 1 : Data Integrity</a:t>
             </a:r>
           </a:p>
@@ -16859,8 +16854,8 @@
               </a:lnSpc>
             </a:pPr>
             <a:r>
-              <a:rPr lang="en-AU" sz="1400" dirty="0"/>
-              <a:t>Incoming Data , Cleaning ,Checking , Assumptions</a:t>
+              <a:rPr lang="en-AU" sz="1600" dirty="0"/>
+              <a:t>Incoming Data , Cleaning , Checking , Assumptions</a:t>
             </a:r>
           </a:p>
           <a:p>
@@ -16870,14 +16865,9 @@
               </a:lnSpc>
             </a:pPr>
             <a:r>
-              <a:rPr lang="en-AU" sz="1400" dirty="0"/>
-              <a:t>Appendix 2 : Future </a:t>
+              <a:rPr lang="en-AU" sz="1600" dirty="0"/>
+              <a:t>Appendix 2 : Future Improvements</a:t>
             </a:r>
-            <a:r>
-              <a:rPr lang="en-AU" sz="1400" dirty="0" err="1"/>
-              <a:t>Imporvements</a:t>
-            </a:r>
-            <a:endParaRPr lang="en-AU" sz="1400" dirty="0"/>
           </a:p>
           <a:p>
             <a:pPr>
@@ -16886,22 +16876,9 @@
               </a:lnSpc>
             </a:pPr>
             <a:r>
-              <a:rPr lang="en-AU" sz="1400" dirty="0"/>
-              <a:t>Appendix 3 : Code-Base  Brief </a:t>
+              <a:rPr lang="en-AU" sz="1600" dirty="0"/>
+              <a:t>Appendix 3 : Code-Base  Brief Overview</a:t>
             </a:r>
-            <a:r>
-              <a:rPr lang="en-AU" sz="1400" dirty="0" err="1"/>
-              <a:t>Overvierw</a:t>
-            </a:r>
-            <a:endParaRPr lang="en-AU" sz="1400" dirty="0"/>
-          </a:p>
-          <a:p>
-            <a:pPr>
-              <a:lnSpc>
-                <a:spcPct val="90000"/>
-              </a:lnSpc>
-            </a:pPr>
-            <a:endParaRPr lang="en-AU" sz="1400" dirty="0"/>
           </a:p>
         </p:txBody>
       </p:sp>
@@ -20474,7 +20451,7 @@
           <a:p>
             <a:r>
               <a:rPr lang="en-AU" dirty="0"/>
-              <a:t>Remove Absolute Duplicates ( All rows are same ).</a:t>
+              <a:t>Remove Absolute Duplicates ( entire row is same ).</a:t>
             </a:r>
           </a:p>
           <a:p>
@@ -26673,7 +26650,7 @@
                   <a:srgbClr val="FFFFFF"/>
                 </a:solidFill>
               </a:rPr>
-              <a:t>Things to try out</a:t>
+              <a:t>More things to try out</a:t>
             </a:r>
             <a:endParaRPr lang="en-AU" dirty="0">
               <a:solidFill>
@@ -26701,13 +26678,13 @@
         </p:nvSpPr>
         <p:spPr>
           <a:xfrm>
-            <a:off x="417898" y="2300466"/>
-            <a:ext cx="11356204" cy="4254770"/>
+            <a:off x="417898" y="2044931"/>
+            <a:ext cx="11356204" cy="4510305"/>
           </a:xfrm>
         </p:spPr>
         <p:txBody>
           <a:bodyPr>
-            <a:normAutofit/>
+            <a:normAutofit fontScale="85000" lnSpcReduction="20000"/>
           </a:bodyPr>
           <a:lstStyle/>
           <a:p>
@@ -26723,7 +26700,14 @@
             <a:pPr lvl="1"/>
             <a:r>
               <a:rPr lang="en-US" sz="1600" dirty="0"/>
-              <a:t>Which item sells fast , which Items sell slow , Their Contribution to Sales</a:t>
+              <a:t>Which item sells fast , which Items sell slow , </a:t>
+            </a:r>
+          </a:p>
+          <a:p>
+            <a:pPr lvl="1"/>
+            <a:r>
+              <a:rPr lang="en-US" sz="1600" dirty="0"/>
+              <a:t>80-20 profitability/importance analysis</a:t>
             </a:r>
           </a:p>
           <a:p>
@@ -26742,23 +26726,72 @@
           <a:p>
             <a:r>
               <a:rPr lang="en-US" sz="1800" dirty="0"/>
-              <a:t>RFM Analysis : Recency , Frequency , Money</a:t>
+              <a:t>RFM Analysis : Recency , Frequency , Money , can be split by age also </a:t>
+            </a:r>
+          </a:p>
+          <a:p>
+            <a:r>
+              <a:rPr lang="en-US" sz="1900" dirty="0"/>
+              <a:t>Augment with Product Dimension Data</a:t>
+            </a:r>
+          </a:p>
+          <a:p>
+            <a:pPr lvl="1"/>
+            <a:r>
+              <a:rPr lang="en-US" sz="1600" dirty="0"/>
+              <a:t>Top contributors to Sales : By Product , Department , RBU , Product-Age , </a:t>
+            </a:r>
+            <a:r>
+              <a:rPr lang="en-US" sz="1600" dirty="0" err="1"/>
+              <a:t>HomeBrand</a:t>
+            </a:r>
+            <a:r>
+              <a:rPr lang="en-US" sz="1600" dirty="0"/>
+              <a:t> </a:t>
+            </a:r>
+            <a:r>
+              <a:rPr lang="en-US" sz="1600" dirty="0" err="1"/>
+              <a:t>etc</a:t>
+            </a:r>
+            <a:endParaRPr lang="en-US" sz="1600" dirty="0"/>
+          </a:p>
+          <a:p>
+            <a:r>
+              <a:rPr lang="en-US" sz="1900" dirty="0"/>
+              <a:t>Augment with Customer Dimension Data like Age , Gender , First-Purchase-Date</a:t>
+            </a:r>
+          </a:p>
+          <a:p>
+            <a:pPr lvl="1"/>
+            <a:r>
+              <a:rPr lang="en-AU" sz="1600" dirty="0"/>
+              <a:t>“are our older customers our high value customers” , “do the younger people shop more frequently”</a:t>
+            </a:r>
+            <a:endParaRPr lang="en-US" sz="1600" dirty="0"/>
+          </a:p>
+          <a:p>
+            <a:pPr lvl="1"/>
+            <a:r>
+              <a:rPr lang="en-US" sz="1600" dirty="0"/>
+              <a:t>Customer Segmentation ( Unsupervised Clustering )</a:t>
             </a:r>
           </a:p>
           <a:p>
             <a:r>
               <a:rPr lang="en-US" sz="1800" dirty="0"/>
-              <a:t>Customer Segmentation ( Unsupervised Clustering )</a:t>
+              <a:t>Using Item-description for NLP embeddings , </a:t>
             </a:r>
+            <a:r>
+              <a:rPr lang="en-US" sz="1800" dirty="0" err="1"/>
+              <a:t>WordClouds</a:t>
+            </a:r>
+            <a:endParaRPr lang="en-US" sz="1800" dirty="0"/>
           </a:p>
           <a:p>
+            <a:pPr lvl="1"/>
             <a:r>
-              <a:rPr lang="en-US" sz="1800" dirty="0" err="1"/>
-              <a:t>WordCloud</a:t>
-            </a:r>
-            <a:r>
-              <a:rPr lang="en-US" sz="1800" dirty="0"/>
-              <a:t> , NLP embeddings</a:t>
+              <a:rPr lang="en-US" sz="1600" dirty="0"/>
+              <a:t>Clustering , by Weightage to Monthly Revenue to </a:t>
             </a:r>
           </a:p>
           <a:p>
@@ -27537,8 +27570,8 @@
         </p:blipFill>
         <p:spPr>
           <a:xfrm>
-            <a:off x="643854" y="840039"/>
-            <a:ext cx="3990829" cy="5177456"/>
+            <a:off x="572038" y="511233"/>
+            <a:ext cx="4498081" cy="5835534"/>
           </a:xfrm>
           <a:prstGeom prst="rect">
             <a:avLst/>
@@ -29531,7 +29564,7 @@
           <a:p>
             <a:r>
               <a:rPr lang="en-US" sz="4000" dirty="0"/>
-              <a:t>Saif Raja</a:t>
+              <a:t>Saif. Raja</a:t>
             </a:r>
           </a:p>
           <a:p>
